--- a/documents/00_Sitzungen/Milestone_2/Meilenstein2.pptx
+++ b/documents/00_Sitzungen/Milestone_2/Meilenstein2.pptx
@@ -122,7 +122,7 @@
 <file path=ppt/charts/chart1.xml><?xml version="1.0" encoding="utf-8"?>
 <c:chartSpace xmlns:c="http://schemas.openxmlformats.org/drawingml/2006/chart" xmlns:a="http://schemas.openxmlformats.org/drawingml/2006/main" xmlns:r="http://schemas.openxmlformats.org/officeDocument/2006/relationships" xmlns:c16r2="http://schemas.microsoft.com/office/drawing/2015/06/chart">
   <c:date1904 val="0"/>
-  <c:lang val="de-DE"/>
+  <c:lang val="en-US"/>
   <c:roundedCorners val="0"/>
   <mc:AlternateContent xmlns:mc="http://schemas.openxmlformats.org/markup-compatibility/2006">
     <mc:Choice xmlns:c14="http://schemas.microsoft.com/office/drawing/2007/8/2/chart" Requires="c14">
@@ -153,8 +153,8 @@
               </a:defRPr>
             </a:pPr>
             <a:r>
-              <a:rPr lang="de-CH"/>
-              <a:t>Meilenstein 1 Aufwandsverteilung</a:t>
+              <a:rPr lang="de-CH" dirty="0"/>
+              <a:t>Meilenstein 2 Aufwandsverteilung</a:t>
             </a:r>
           </a:p>
         </c:rich>
@@ -184,7 +184,7 @@
               <a:cs typeface="+mn-cs"/>
             </a:defRPr>
           </a:pPr>
-          <a:endParaRPr lang="de-DE"/>
+          <a:endParaRPr lang="en-US"/>
         </a:p>
       </c:txPr>
     </c:title>
@@ -434,7 +434,7 @@
                 <a:cs typeface="+mn-cs"/>
               </a:defRPr>
             </a:pPr>
-            <a:endParaRPr lang="de-DE"/>
+            <a:endParaRPr lang="en-US"/>
           </a:p>
         </c:txPr>
         <c:crossAx val="609406696"/>
@@ -493,7 +493,7 @@
                 <a:cs typeface="+mn-cs"/>
               </a:defRPr>
             </a:pPr>
-            <a:endParaRPr lang="de-DE"/>
+            <a:endParaRPr lang="en-US"/>
           </a:p>
         </c:txPr>
         <c:crossAx val="609399808"/>
@@ -526,7 +526,7 @@
       <a:pPr>
         <a:defRPr/>
       </a:pPr>
-      <a:endParaRPr lang="de-DE"/>
+      <a:endParaRPr lang="en-US"/>
     </a:p>
   </c:txPr>
   <c:externalData r:id="rId3">
@@ -1229,7 +1229,7 @@
           <a:p>
             <a:fld id="{506EE3B9-BFD3-4836-85E3-38E3B5379BB2}" type="datetimeFigureOut">
               <a:rPr lang="de-CH" smtClean="0"/>
-              <a:t>05.04.2018</a:t>
+              <a:t>06.04.2018</a:t>
             </a:fld>
             <a:endParaRPr lang="de-CH"/>
           </a:p>
@@ -1283,7 +1283,7 @@
           <a:p>
             <a:fld id="{CA6135A3-9B34-4BC4-A038-FAAF1A85A28F}" type="slidenum">
               <a:rPr lang="de-CH" smtClean="0"/>
-              <a:t>‹Nr.›</a:t>
+              <a:t>‹#›</a:t>
             </a:fld>
             <a:endParaRPr lang="de-CH"/>
           </a:p>
@@ -1429,7 +1429,7 @@
           <a:p>
             <a:fld id="{506EE3B9-BFD3-4836-85E3-38E3B5379BB2}" type="datetimeFigureOut">
               <a:rPr lang="de-CH" smtClean="0"/>
-              <a:t>05.04.2018</a:t>
+              <a:t>06.04.2018</a:t>
             </a:fld>
             <a:endParaRPr lang="de-CH"/>
           </a:p>
@@ -1483,7 +1483,7 @@
           <a:p>
             <a:fld id="{CA6135A3-9B34-4BC4-A038-FAAF1A85A28F}" type="slidenum">
               <a:rPr lang="de-CH" smtClean="0"/>
-              <a:t>‹Nr.›</a:t>
+              <a:t>‹#›</a:t>
             </a:fld>
             <a:endParaRPr lang="de-CH"/>
           </a:p>
@@ -1639,7 +1639,7 @@
           <a:p>
             <a:fld id="{506EE3B9-BFD3-4836-85E3-38E3B5379BB2}" type="datetimeFigureOut">
               <a:rPr lang="de-CH" smtClean="0"/>
-              <a:t>05.04.2018</a:t>
+              <a:t>06.04.2018</a:t>
             </a:fld>
             <a:endParaRPr lang="de-CH"/>
           </a:p>
@@ -1693,7 +1693,7 @@
           <a:p>
             <a:fld id="{CA6135A3-9B34-4BC4-A038-FAAF1A85A28F}" type="slidenum">
               <a:rPr lang="de-CH" smtClean="0"/>
-              <a:t>‹Nr.›</a:t>
+              <a:t>‹#›</a:t>
             </a:fld>
             <a:endParaRPr lang="de-CH"/>
           </a:p>
@@ -1839,7 +1839,7 @@
           <a:p>
             <a:fld id="{506EE3B9-BFD3-4836-85E3-38E3B5379BB2}" type="datetimeFigureOut">
               <a:rPr lang="de-CH" smtClean="0"/>
-              <a:t>05.04.2018</a:t>
+              <a:t>06.04.2018</a:t>
             </a:fld>
             <a:endParaRPr lang="de-CH"/>
           </a:p>
@@ -1893,7 +1893,7 @@
           <a:p>
             <a:fld id="{CA6135A3-9B34-4BC4-A038-FAAF1A85A28F}" type="slidenum">
               <a:rPr lang="de-CH" smtClean="0"/>
-              <a:t>‹Nr.›</a:t>
+              <a:t>‹#›</a:t>
             </a:fld>
             <a:endParaRPr lang="de-CH"/>
           </a:p>
@@ -2115,7 +2115,7 @@
           <a:p>
             <a:fld id="{506EE3B9-BFD3-4836-85E3-38E3B5379BB2}" type="datetimeFigureOut">
               <a:rPr lang="de-CH" smtClean="0"/>
-              <a:t>05.04.2018</a:t>
+              <a:t>06.04.2018</a:t>
             </a:fld>
             <a:endParaRPr lang="de-CH"/>
           </a:p>
@@ -2169,7 +2169,7 @@
           <a:p>
             <a:fld id="{CA6135A3-9B34-4BC4-A038-FAAF1A85A28F}" type="slidenum">
               <a:rPr lang="de-CH" smtClean="0"/>
-              <a:t>‹Nr.›</a:t>
+              <a:t>‹#›</a:t>
             </a:fld>
             <a:endParaRPr lang="de-CH"/>
           </a:p>
@@ -2383,7 +2383,7 @@
           <a:p>
             <a:fld id="{506EE3B9-BFD3-4836-85E3-38E3B5379BB2}" type="datetimeFigureOut">
               <a:rPr lang="de-CH" smtClean="0"/>
-              <a:t>05.04.2018</a:t>
+              <a:t>06.04.2018</a:t>
             </a:fld>
             <a:endParaRPr lang="de-CH"/>
           </a:p>
@@ -2437,7 +2437,7 @@
           <a:p>
             <a:fld id="{CA6135A3-9B34-4BC4-A038-FAAF1A85A28F}" type="slidenum">
               <a:rPr lang="de-CH" smtClean="0"/>
-              <a:t>‹Nr.›</a:t>
+              <a:t>‹#›</a:t>
             </a:fld>
             <a:endParaRPr lang="de-CH"/>
           </a:p>
@@ -2798,7 +2798,7 @@
           <a:p>
             <a:fld id="{506EE3B9-BFD3-4836-85E3-38E3B5379BB2}" type="datetimeFigureOut">
               <a:rPr lang="de-CH" smtClean="0"/>
-              <a:t>05.04.2018</a:t>
+              <a:t>06.04.2018</a:t>
             </a:fld>
             <a:endParaRPr lang="de-CH"/>
           </a:p>
@@ -2852,7 +2852,7 @@
           <a:p>
             <a:fld id="{CA6135A3-9B34-4BC4-A038-FAAF1A85A28F}" type="slidenum">
               <a:rPr lang="de-CH" smtClean="0"/>
-              <a:t>‹Nr.›</a:t>
+              <a:t>‹#›</a:t>
             </a:fld>
             <a:endParaRPr lang="de-CH"/>
           </a:p>
@@ -2940,7 +2940,7 @@
           <a:p>
             <a:fld id="{506EE3B9-BFD3-4836-85E3-38E3B5379BB2}" type="datetimeFigureOut">
               <a:rPr lang="de-CH" smtClean="0"/>
-              <a:t>05.04.2018</a:t>
+              <a:t>06.04.2018</a:t>
             </a:fld>
             <a:endParaRPr lang="de-CH"/>
           </a:p>
@@ -2994,7 +2994,7 @@
           <a:p>
             <a:fld id="{CA6135A3-9B34-4BC4-A038-FAAF1A85A28F}" type="slidenum">
               <a:rPr lang="de-CH" smtClean="0"/>
-              <a:t>‹Nr.›</a:t>
+              <a:t>‹#›</a:t>
             </a:fld>
             <a:endParaRPr lang="de-CH"/>
           </a:p>
@@ -3053,7 +3053,7 @@
           <a:p>
             <a:fld id="{506EE3B9-BFD3-4836-85E3-38E3B5379BB2}" type="datetimeFigureOut">
               <a:rPr lang="de-CH" smtClean="0"/>
-              <a:t>05.04.2018</a:t>
+              <a:t>06.04.2018</a:t>
             </a:fld>
             <a:endParaRPr lang="de-CH"/>
           </a:p>
@@ -3107,7 +3107,7 @@
           <a:p>
             <a:fld id="{CA6135A3-9B34-4BC4-A038-FAAF1A85A28F}" type="slidenum">
               <a:rPr lang="de-CH" smtClean="0"/>
-              <a:t>‹Nr.›</a:t>
+              <a:t>‹#›</a:t>
             </a:fld>
             <a:endParaRPr lang="de-CH"/>
           </a:p>
@@ -3366,7 +3366,7 @@
           <a:p>
             <a:fld id="{506EE3B9-BFD3-4836-85E3-38E3B5379BB2}" type="datetimeFigureOut">
               <a:rPr lang="de-CH" smtClean="0"/>
-              <a:t>05.04.2018</a:t>
+              <a:t>06.04.2018</a:t>
             </a:fld>
             <a:endParaRPr lang="de-CH"/>
           </a:p>
@@ -3420,7 +3420,7 @@
           <a:p>
             <a:fld id="{CA6135A3-9B34-4BC4-A038-FAAF1A85A28F}" type="slidenum">
               <a:rPr lang="de-CH" smtClean="0"/>
-              <a:t>‹Nr.›</a:t>
+              <a:t>‹#›</a:t>
             </a:fld>
             <a:endParaRPr lang="de-CH"/>
           </a:p>
@@ -3655,7 +3655,7 @@
           <a:p>
             <a:fld id="{506EE3B9-BFD3-4836-85E3-38E3B5379BB2}" type="datetimeFigureOut">
               <a:rPr lang="de-CH" smtClean="0"/>
-              <a:t>05.04.2018</a:t>
+              <a:t>06.04.2018</a:t>
             </a:fld>
             <a:endParaRPr lang="de-CH"/>
           </a:p>
@@ -3709,7 +3709,7 @@
           <a:p>
             <a:fld id="{CA6135A3-9B34-4BC4-A038-FAAF1A85A28F}" type="slidenum">
               <a:rPr lang="de-CH" smtClean="0"/>
-              <a:t>‹Nr.›</a:t>
+              <a:t>‹#›</a:t>
             </a:fld>
             <a:endParaRPr lang="de-CH"/>
           </a:p>
@@ -3898,7 +3898,7 @@
           <a:p>
             <a:fld id="{506EE3B9-BFD3-4836-85E3-38E3B5379BB2}" type="datetimeFigureOut">
               <a:rPr lang="de-CH" smtClean="0"/>
-              <a:t>05.04.2018</a:t>
+              <a:t>06.04.2018</a:t>
             </a:fld>
             <a:endParaRPr lang="de-CH"/>
           </a:p>
@@ -3988,7 +3988,7 @@
           <a:p>
             <a:fld id="{CA6135A3-9B34-4BC4-A038-FAAF1A85A28F}" type="slidenum">
               <a:rPr lang="de-CH" smtClean="0"/>
-              <a:t>‹Nr.›</a:t>
+              <a:t>‹#›</a:t>
             </a:fld>
             <a:endParaRPr lang="de-CH"/>
           </a:p>
@@ -4766,7 +4766,7 @@
                   <a:schemeClr val="bg1"/>
                 </a:solidFill>
               </a:rPr>
-              <a:t>Aufwand Meilenstein 1 </a:t>
+              <a:t>Aufwand Meilenstein 2 </a:t>
             </a:r>
             <a:r>
               <a:rPr lang="de-CH" sz="2800" b="1" dirty="0">
@@ -4774,7 +4774,7 @@
                   <a:schemeClr val="bg1"/>
                 </a:solidFill>
               </a:rPr>
-              <a:t>(08.03.18)</a:t>
+              <a:t>(03.04.18)</a:t>
             </a:r>
           </a:p>
         </p:txBody>
@@ -4868,7 +4868,7 @@
           <p:nvPr>
             <p:extLst>
               <p:ext uri="{D42A27DB-BD31-4B8C-83A1-F6EECF244321}">
-                <p14:modId xmlns:p14="http://schemas.microsoft.com/office/powerpoint/2010/main" val="416023227"/>
+                <p14:modId xmlns:p14="http://schemas.microsoft.com/office/powerpoint/2010/main" val="1419061419"/>
               </p:ext>
             </p:extLst>
           </p:nvPr>
@@ -4881,17 +4881,17 @@
           <a:graphicData uri="http://schemas.openxmlformats.org/drawingml/2006/table">
             <a:tbl>
               <a:tblPr>
-                <a:tableStyleId>{5C22544A-7EE6-4342-B048-85BDC9FD1C3A}</a:tableStyleId>
+                <a:tableStyleId>{2D5ABB26-0587-4C30-8999-92F81FD0307C}</a:tableStyleId>
               </a:tblPr>
               <a:tblGrid>
-                <a:gridCol w="3344333">
+                <a:gridCol w="4867687">
                   <a:extLst>
                     <a:ext uri="{9D8B030D-6E8A-4147-A177-3AD203B41FA5}">
                       <a16:colId xmlns:a16="http://schemas.microsoft.com/office/drawing/2014/main" val="2187792830"/>
                     </a:ext>
                   </a:extLst>
                 </a:gridCol>
-                <a:gridCol w="2201334">
+                <a:gridCol w="677980">
                   <a:extLst>
                     <a:ext uri="{9D8B030D-6E8A-4147-A177-3AD203B41FA5}">
                       <a16:colId xmlns:a16="http://schemas.microsoft.com/office/drawing/2014/main" val="2263850286"/>
@@ -4907,18 +4907,40 @@
                     <a:p>
                       <a:pPr algn="l" fontAlgn="b"/>
                       <a:r>
-                        <a:rPr lang="de-CH" sz="2400" b="0" i="0" u="none" strike="noStrike" dirty="0">
-                          <a:solidFill>
-                            <a:srgbClr val="000000"/>
-                          </a:solidFill>
+                        <a:rPr lang="de-CH" sz="2400" u="none" strike="noStrike" dirty="0">
                           <a:effectLst/>
-                          <a:latin typeface="Arial" panose="020B0604020202020204" pitchFamily="34" charset="0"/>
                         </a:rPr>
                         <a:t>Projekt in Std</a:t>
                       </a:r>
+                      <a:endParaRPr lang="de-CH" sz="2400" b="0" i="0" u="none" strike="noStrike" dirty="0">
+                        <a:solidFill>
+                          <a:srgbClr val="000000"/>
+                        </a:solidFill>
+                        <a:effectLst/>
+                        <a:latin typeface="Arial" panose="020B0604020202020204" pitchFamily="34" charset="0"/>
+                      </a:endParaRPr>
                     </a:p>
                   </a:txBody>
-                  <a:tcPr marL="0" marR="0" marT="0" marB="0" anchor="b"/>
+                  <a:tcPr marL="0" marR="0" marT="0" marB="0" anchor="b">
+                    <a:lnR w="12700" cap="flat" cmpd="sng" algn="ctr">
+                      <a:solidFill>
+                        <a:schemeClr val="tx1"/>
+                      </a:solidFill>
+                      <a:prstDash val="solid"/>
+                      <a:round/>
+                      <a:headEnd type="none" w="med" len="med"/>
+                      <a:tailEnd type="none" w="med" len="med"/>
+                    </a:lnR>
+                    <a:lnB w="12700" cap="flat" cmpd="sng" algn="ctr">
+                      <a:solidFill>
+                        <a:schemeClr val="tx1"/>
+                      </a:solidFill>
+                      <a:prstDash val="solid"/>
+                      <a:round/>
+                      <a:headEnd type="none" w="med" len="med"/>
+                      <a:tailEnd type="none" w="med" len="med"/>
+                    </a:lnB>
+                  </a:tcPr>
                 </a:tc>
                 <a:tc>
                   <a:txBody>
@@ -4928,19 +4950,41 @@
                       <a:pPr algn="r" fontAlgn="b"/>
                       <a:r>
                         <a:rPr lang="de-CH" sz="2400" u="none" strike="noStrike" kern="1200" dirty="0">
-                          <a:solidFill>
-                            <a:schemeClr val="dk1"/>
-                          </a:solidFill>
                           <a:effectLst/>
-                          <a:latin typeface="+mn-lt"/>
-                          <a:ea typeface="+mn-ea"/>
-                          <a:cs typeface="+mn-cs"/>
                         </a:rPr>
                         <a:t>45</a:t>
                       </a:r>
+                      <a:endParaRPr lang="de-CH" sz="2400" u="none" strike="noStrike" kern="1200" dirty="0">
+                        <a:solidFill>
+                          <a:schemeClr val="dk1"/>
+                        </a:solidFill>
+                        <a:effectLst/>
+                        <a:latin typeface="+mn-lt"/>
+                        <a:ea typeface="+mn-ea"/>
+                        <a:cs typeface="+mn-cs"/>
+                      </a:endParaRPr>
                     </a:p>
                   </a:txBody>
-                  <a:tcPr marL="0" marR="0" marT="0" marB="0" anchor="b"/>
+                  <a:tcPr marL="0" marR="0" marT="0" marB="0" anchor="b">
+                    <a:lnL w="12700" cap="flat" cmpd="sng" algn="ctr">
+                      <a:solidFill>
+                        <a:schemeClr val="tx1"/>
+                      </a:solidFill>
+                      <a:prstDash val="solid"/>
+                      <a:round/>
+                      <a:headEnd type="none" w="med" len="med"/>
+                      <a:tailEnd type="none" w="med" len="med"/>
+                    </a:lnL>
+                    <a:lnB w="12700" cap="flat" cmpd="sng" algn="ctr">
+                      <a:solidFill>
+                        <a:schemeClr val="tx1"/>
+                      </a:solidFill>
+                      <a:prstDash val="solid"/>
+                      <a:round/>
+                      <a:headEnd type="none" w="med" len="med"/>
+                      <a:tailEnd type="none" w="med" len="med"/>
+                    </a:lnB>
+                  </a:tcPr>
                 </a:tc>
                 <a:extLst>
                   <a:ext uri="{0D108BD9-81ED-4DB2-BD59-A6C34878D82A}">
@@ -4956,7 +5000,7 @@
                     <a:p>
                       <a:pPr algn="l" fontAlgn="b"/>
                       <a:r>
-                        <a:rPr lang="de-CH" sz="2400" u="none" strike="noStrike">
+                        <a:rPr lang="de-CH" sz="2400" u="none" strike="noStrike" dirty="0">
                           <a:effectLst/>
                         </a:rPr>
                         <a:t>Clean Code</a:t>
@@ -4970,7 +5014,35 @@
                       </a:endParaRPr>
                     </a:p>
                   </a:txBody>
-                  <a:tcPr marL="0" marR="0" marT="0" marB="0" anchor="b"/>
+                  <a:tcPr marL="0" marR="0" marT="0" marB="0" anchor="b">
+                    <a:lnR w="12700" cap="flat" cmpd="sng" algn="ctr">
+                      <a:solidFill>
+                        <a:schemeClr val="tx1"/>
+                      </a:solidFill>
+                      <a:prstDash val="solid"/>
+                      <a:round/>
+                      <a:headEnd type="none" w="med" len="med"/>
+                      <a:tailEnd type="none" w="med" len="med"/>
+                    </a:lnR>
+                    <a:lnT w="12700" cap="flat" cmpd="sng" algn="ctr">
+                      <a:solidFill>
+                        <a:schemeClr val="tx1"/>
+                      </a:solidFill>
+                      <a:prstDash val="solid"/>
+                      <a:round/>
+                      <a:headEnd type="none" w="med" len="med"/>
+                      <a:tailEnd type="none" w="med" len="med"/>
+                    </a:lnT>
+                    <a:lnB w="12700" cap="flat" cmpd="sng" algn="ctr">
+                      <a:solidFill>
+                        <a:schemeClr val="tx1"/>
+                      </a:solidFill>
+                      <a:prstDash val="solid"/>
+                      <a:round/>
+                      <a:headEnd type="none" w="med" len="med"/>
+                      <a:tailEnd type="none" w="med" len="med"/>
+                    </a:lnB>
+                  </a:tcPr>
                 </a:tc>
                 <a:tc>
                   <a:txBody>
@@ -4980,19 +5052,50 @@
                       <a:pPr algn="r" fontAlgn="b"/>
                       <a:r>
                         <a:rPr lang="de-CH" sz="2400" u="none" strike="noStrike" kern="1200" dirty="0">
-                          <a:solidFill>
-                            <a:schemeClr val="dk1"/>
-                          </a:solidFill>
                           <a:effectLst/>
-                          <a:latin typeface="+mn-lt"/>
-                          <a:ea typeface="+mn-ea"/>
-                          <a:cs typeface="+mn-cs"/>
                         </a:rPr>
                         <a:t>21.5</a:t>
                       </a:r>
+                      <a:endParaRPr lang="de-CH" sz="2400" u="none" strike="noStrike" kern="1200" dirty="0">
+                        <a:solidFill>
+                          <a:schemeClr val="dk1"/>
+                        </a:solidFill>
+                        <a:effectLst/>
+                        <a:latin typeface="+mn-lt"/>
+                        <a:ea typeface="+mn-ea"/>
+                        <a:cs typeface="+mn-cs"/>
+                      </a:endParaRPr>
                     </a:p>
                   </a:txBody>
-                  <a:tcPr marL="0" marR="0" marT="0" marB="0" anchor="b"/>
+                  <a:tcPr marL="0" marR="0" marT="0" marB="0" anchor="b">
+                    <a:lnL w="12700" cap="flat" cmpd="sng" algn="ctr">
+                      <a:solidFill>
+                        <a:schemeClr val="tx1"/>
+                      </a:solidFill>
+                      <a:prstDash val="solid"/>
+                      <a:round/>
+                      <a:headEnd type="none" w="med" len="med"/>
+                      <a:tailEnd type="none" w="med" len="med"/>
+                    </a:lnL>
+                    <a:lnT w="12700" cap="flat" cmpd="sng" algn="ctr">
+                      <a:solidFill>
+                        <a:schemeClr val="tx1"/>
+                      </a:solidFill>
+                      <a:prstDash val="solid"/>
+                      <a:round/>
+                      <a:headEnd type="none" w="med" len="med"/>
+                      <a:tailEnd type="none" w="med" len="med"/>
+                    </a:lnT>
+                    <a:lnB w="12700" cap="flat" cmpd="sng" algn="ctr">
+                      <a:solidFill>
+                        <a:schemeClr val="tx1"/>
+                      </a:solidFill>
+                      <a:prstDash val="solid"/>
+                      <a:round/>
+                      <a:headEnd type="none" w="med" len="med"/>
+                      <a:tailEnd type="none" w="med" len="med"/>
+                    </a:lnB>
+                  </a:tcPr>
                 </a:tc>
                 <a:extLst>
                   <a:ext uri="{0D108BD9-81ED-4DB2-BD59-A6C34878D82A}">
@@ -5022,7 +5125,35 @@
                       </a:endParaRPr>
                     </a:p>
                   </a:txBody>
-                  <a:tcPr marL="0" marR="0" marT="0" marB="0" anchor="b"/>
+                  <a:tcPr marL="0" marR="0" marT="0" marB="0" anchor="b">
+                    <a:lnR w="12700" cap="flat" cmpd="sng" algn="ctr">
+                      <a:solidFill>
+                        <a:schemeClr val="tx1"/>
+                      </a:solidFill>
+                      <a:prstDash val="solid"/>
+                      <a:round/>
+                      <a:headEnd type="none" w="med" len="med"/>
+                      <a:tailEnd type="none" w="med" len="med"/>
+                    </a:lnR>
+                    <a:lnT w="12700" cap="flat" cmpd="sng" algn="ctr">
+                      <a:solidFill>
+                        <a:schemeClr val="tx1"/>
+                      </a:solidFill>
+                      <a:prstDash val="solid"/>
+                      <a:round/>
+                      <a:headEnd type="none" w="med" len="med"/>
+                      <a:tailEnd type="none" w="med" len="med"/>
+                    </a:lnT>
+                    <a:lnB w="12700" cap="flat" cmpd="sng" algn="ctr">
+                      <a:solidFill>
+                        <a:schemeClr val="tx1"/>
+                      </a:solidFill>
+                      <a:prstDash val="solid"/>
+                      <a:round/>
+                      <a:headEnd type="none" w="med" len="med"/>
+                      <a:tailEnd type="none" w="med" len="med"/>
+                    </a:lnB>
+                  </a:tcPr>
                 </a:tc>
                 <a:tc>
                   <a:txBody>
@@ -5032,19 +5163,50 @@
                       <a:pPr algn="r" fontAlgn="b"/>
                       <a:r>
                         <a:rPr lang="de-CH" sz="2400" u="none" strike="noStrike" kern="1200" dirty="0">
-                          <a:solidFill>
-                            <a:schemeClr val="dk1"/>
-                          </a:solidFill>
                           <a:effectLst/>
-                          <a:latin typeface="+mn-lt"/>
-                          <a:ea typeface="+mn-ea"/>
-                          <a:cs typeface="+mn-cs"/>
                         </a:rPr>
                         <a:t>66.5</a:t>
                       </a:r>
+                      <a:endParaRPr lang="de-CH" sz="2400" u="none" strike="noStrike" kern="1200" dirty="0">
+                        <a:solidFill>
+                          <a:schemeClr val="dk1"/>
+                        </a:solidFill>
+                        <a:effectLst/>
+                        <a:latin typeface="+mn-lt"/>
+                        <a:ea typeface="+mn-ea"/>
+                        <a:cs typeface="+mn-cs"/>
+                      </a:endParaRPr>
                     </a:p>
                   </a:txBody>
-                  <a:tcPr marL="0" marR="0" marT="0" marB="0" anchor="b"/>
+                  <a:tcPr marL="0" marR="0" marT="0" marB="0" anchor="b">
+                    <a:lnL w="12700" cap="flat" cmpd="sng" algn="ctr">
+                      <a:solidFill>
+                        <a:schemeClr val="tx1"/>
+                      </a:solidFill>
+                      <a:prstDash val="solid"/>
+                      <a:round/>
+                      <a:headEnd type="none" w="med" len="med"/>
+                      <a:tailEnd type="none" w="med" len="med"/>
+                    </a:lnL>
+                    <a:lnT w="12700" cap="flat" cmpd="sng" algn="ctr">
+                      <a:solidFill>
+                        <a:schemeClr val="tx1"/>
+                      </a:solidFill>
+                      <a:prstDash val="solid"/>
+                      <a:round/>
+                      <a:headEnd type="none" w="med" len="med"/>
+                      <a:tailEnd type="none" w="med" len="med"/>
+                    </a:lnT>
+                    <a:lnB w="12700" cap="flat" cmpd="sng" algn="ctr">
+                      <a:solidFill>
+                        <a:schemeClr val="tx1"/>
+                      </a:solidFill>
+                      <a:prstDash val="solid"/>
+                      <a:round/>
+                      <a:headEnd type="none" w="med" len="med"/>
+                      <a:tailEnd type="none" w="med" len="med"/>
+                    </a:lnB>
+                  </a:tcPr>
                 </a:tc>
                 <a:extLst>
                   <a:ext uri="{0D108BD9-81ED-4DB2-BD59-A6C34878D82A}">
@@ -5074,7 +5236,35 @@
                       </a:endParaRPr>
                     </a:p>
                   </a:txBody>
-                  <a:tcPr marL="0" marR="0" marT="0" marB="0" anchor="b"/>
+                  <a:tcPr marL="0" marR="0" marT="0" marB="0" anchor="b">
+                    <a:lnR w="12700" cap="flat" cmpd="sng" algn="ctr">
+                      <a:solidFill>
+                        <a:schemeClr val="tx1"/>
+                      </a:solidFill>
+                      <a:prstDash val="solid"/>
+                      <a:round/>
+                      <a:headEnd type="none" w="med" len="med"/>
+                      <a:tailEnd type="none" w="med" len="med"/>
+                    </a:lnR>
+                    <a:lnT w="12700" cap="flat" cmpd="sng" algn="ctr">
+                      <a:solidFill>
+                        <a:schemeClr val="tx1"/>
+                      </a:solidFill>
+                      <a:prstDash val="solid"/>
+                      <a:round/>
+                      <a:headEnd type="none" w="med" len="med"/>
+                      <a:tailEnd type="none" w="med" len="med"/>
+                    </a:lnT>
+                    <a:lnB w="12700" cap="flat" cmpd="sng" algn="ctr">
+                      <a:solidFill>
+                        <a:schemeClr val="tx1"/>
+                      </a:solidFill>
+                      <a:prstDash val="solid"/>
+                      <a:round/>
+                      <a:headEnd type="none" w="med" len="med"/>
+                      <a:tailEnd type="none" w="med" len="med"/>
+                    </a:lnB>
+                  </a:tcPr>
                 </a:tc>
                 <a:tc>
                   <a:txBody>
@@ -5084,19 +5274,50 @@
                       <a:pPr algn="r" fontAlgn="b"/>
                       <a:r>
                         <a:rPr lang="de-CH" sz="2400" u="none" strike="noStrike" kern="1200" dirty="0">
-                          <a:solidFill>
-                            <a:schemeClr val="dk1"/>
-                          </a:solidFill>
                           <a:effectLst/>
-                          <a:latin typeface="+mn-lt"/>
-                          <a:ea typeface="+mn-ea"/>
-                          <a:cs typeface="+mn-cs"/>
                         </a:rPr>
                         <a:t>80</a:t>
                       </a:r>
+                      <a:endParaRPr lang="de-CH" sz="2400" u="none" strike="noStrike" kern="1200" dirty="0">
+                        <a:solidFill>
+                          <a:schemeClr val="dk1"/>
+                        </a:solidFill>
+                        <a:effectLst/>
+                        <a:latin typeface="+mn-lt"/>
+                        <a:ea typeface="+mn-ea"/>
+                        <a:cs typeface="+mn-cs"/>
+                      </a:endParaRPr>
                     </a:p>
                   </a:txBody>
-                  <a:tcPr marL="0" marR="0" marT="0" marB="0" anchor="b"/>
+                  <a:tcPr marL="0" marR="0" marT="0" marB="0" anchor="b">
+                    <a:lnL w="12700" cap="flat" cmpd="sng" algn="ctr">
+                      <a:solidFill>
+                        <a:schemeClr val="tx1"/>
+                      </a:solidFill>
+                      <a:prstDash val="solid"/>
+                      <a:round/>
+                      <a:headEnd type="none" w="med" len="med"/>
+                      <a:tailEnd type="none" w="med" len="med"/>
+                    </a:lnL>
+                    <a:lnT w="12700" cap="flat" cmpd="sng" algn="ctr">
+                      <a:solidFill>
+                        <a:schemeClr val="tx1"/>
+                      </a:solidFill>
+                      <a:prstDash val="solid"/>
+                      <a:round/>
+                      <a:headEnd type="none" w="med" len="med"/>
+                      <a:tailEnd type="none" w="med" len="med"/>
+                    </a:lnT>
+                    <a:lnB w="12700" cap="flat" cmpd="sng" algn="ctr">
+                      <a:solidFill>
+                        <a:schemeClr val="tx1"/>
+                      </a:solidFill>
+                      <a:prstDash val="solid"/>
+                      <a:round/>
+                      <a:headEnd type="none" w="med" len="med"/>
+                      <a:tailEnd type="none" w="med" len="med"/>
+                    </a:lnB>
+                  </a:tcPr>
                 </a:tc>
                 <a:extLst>
                   <a:ext uri="{0D108BD9-81ED-4DB2-BD59-A6C34878D82A}">
@@ -5126,7 +5347,35 @@
                       </a:endParaRPr>
                     </a:p>
                   </a:txBody>
-                  <a:tcPr marL="0" marR="0" marT="0" marB="0" anchor="b"/>
+                  <a:tcPr marL="0" marR="0" marT="0" marB="0" anchor="b">
+                    <a:lnR w="12700" cap="flat" cmpd="sng" algn="ctr">
+                      <a:solidFill>
+                        <a:schemeClr val="tx1"/>
+                      </a:solidFill>
+                      <a:prstDash val="solid"/>
+                      <a:round/>
+                      <a:headEnd type="none" w="med" len="med"/>
+                      <a:tailEnd type="none" w="med" len="med"/>
+                    </a:lnR>
+                    <a:lnT w="12700" cap="flat" cmpd="sng" algn="ctr">
+                      <a:solidFill>
+                        <a:schemeClr val="tx1"/>
+                      </a:solidFill>
+                      <a:prstDash val="solid"/>
+                      <a:round/>
+                      <a:headEnd type="none" w="med" len="med"/>
+                      <a:tailEnd type="none" w="med" len="med"/>
+                    </a:lnT>
+                    <a:lnB w="12700" cap="flat" cmpd="sng" algn="ctr">
+                      <a:solidFill>
+                        <a:schemeClr val="tx1"/>
+                      </a:solidFill>
+                      <a:prstDash val="solid"/>
+                      <a:round/>
+                      <a:headEnd type="none" w="med" len="med"/>
+                      <a:tailEnd type="none" w="med" len="med"/>
+                    </a:lnB>
+                  </a:tcPr>
                 </a:tc>
                 <a:tc>
                   <a:txBody>
@@ -5136,19 +5385,50 @@
                       <a:pPr algn="r" fontAlgn="b"/>
                       <a:r>
                         <a:rPr lang="de-CH" sz="2400" u="none" strike="noStrike" kern="1200" dirty="0">
-                          <a:solidFill>
-                            <a:schemeClr val="dk1"/>
-                          </a:solidFill>
                           <a:effectLst/>
-                          <a:latin typeface="+mn-lt"/>
-                          <a:ea typeface="+mn-ea"/>
-                          <a:cs typeface="+mn-cs"/>
                         </a:rPr>
                         <a:t>13.5</a:t>
                       </a:r>
+                      <a:endParaRPr lang="de-CH" sz="2400" u="none" strike="noStrike" kern="1200" dirty="0">
+                        <a:solidFill>
+                          <a:schemeClr val="dk1"/>
+                        </a:solidFill>
+                        <a:effectLst/>
+                        <a:latin typeface="+mn-lt"/>
+                        <a:ea typeface="+mn-ea"/>
+                        <a:cs typeface="+mn-cs"/>
+                      </a:endParaRPr>
                     </a:p>
                   </a:txBody>
-                  <a:tcPr marL="0" marR="0" marT="0" marB="0" anchor="b"/>
+                  <a:tcPr marL="0" marR="0" marT="0" marB="0" anchor="b">
+                    <a:lnL w="12700" cap="flat" cmpd="sng" algn="ctr">
+                      <a:solidFill>
+                        <a:schemeClr val="tx1"/>
+                      </a:solidFill>
+                      <a:prstDash val="solid"/>
+                      <a:round/>
+                      <a:headEnd type="none" w="med" len="med"/>
+                      <a:tailEnd type="none" w="med" len="med"/>
+                    </a:lnL>
+                    <a:lnT w="12700" cap="flat" cmpd="sng" algn="ctr">
+                      <a:solidFill>
+                        <a:schemeClr val="tx1"/>
+                      </a:solidFill>
+                      <a:prstDash val="solid"/>
+                      <a:round/>
+                      <a:headEnd type="none" w="med" len="med"/>
+                      <a:tailEnd type="none" w="med" len="med"/>
+                    </a:lnT>
+                    <a:lnB w="12700" cap="flat" cmpd="sng" algn="ctr">
+                      <a:solidFill>
+                        <a:schemeClr val="tx1"/>
+                      </a:solidFill>
+                      <a:prstDash val="solid"/>
+                      <a:round/>
+                      <a:headEnd type="none" w="med" len="med"/>
+                      <a:tailEnd type="none" w="med" len="med"/>
+                    </a:lnB>
+                  </a:tcPr>
                 </a:tc>
                 <a:extLst>
                   <a:ext uri="{0D108BD9-81ED-4DB2-BD59-A6C34878D82A}">
@@ -5172,7 +5452,35 @@
                       </a:endParaRPr>
                     </a:p>
                   </a:txBody>
-                  <a:tcPr marL="0" marR="0" marT="0" marB="0" anchor="b"/>
+                  <a:tcPr marL="0" marR="0" marT="0" marB="0" anchor="b">
+                    <a:lnR w="12700" cap="flat" cmpd="sng" algn="ctr">
+                      <a:solidFill>
+                        <a:schemeClr val="tx1"/>
+                      </a:solidFill>
+                      <a:prstDash val="solid"/>
+                      <a:round/>
+                      <a:headEnd type="none" w="med" len="med"/>
+                      <a:tailEnd type="none" w="med" len="med"/>
+                    </a:lnR>
+                    <a:lnT w="12700" cap="flat" cmpd="sng" algn="ctr">
+                      <a:solidFill>
+                        <a:schemeClr val="tx1"/>
+                      </a:solidFill>
+                      <a:prstDash val="solid"/>
+                      <a:round/>
+                      <a:headEnd type="none" w="med" len="med"/>
+                      <a:tailEnd type="none" w="med" len="med"/>
+                    </a:lnT>
+                    <a:lnB w="12700" cap="flat" cmpd="sng" algn="ctr">
+                      <a:solidFill>
+                        <a:schemeClr val="tx1"/>
+                      </a:solidFill>
+                      <a:prstDash val="solid"/>
+                      <a:round/>
+                      <a:headEnd type="none" w="med" len="med"/>
+                      <a:tailEnd type="none" w="med" len="med"/>
+                    </a:lnB>
+                  </a:tcPr>
                 </a:tc>
                 <a:tc>
                   <a:txBody>
@@ -5191,7 +5499,35 @@
                       </a:endParaRPr>
                     </a:p>
                   </a:txBody>
-                  <a:tcPr marL="0" marR="0" marT="0" marB="0" anchor="b"/>
+                  <a:tcPr marL="0" marR="0" marT="0" marB="0" anchor="b">
+                    <a:lnL w="12700" cap="flat" cmpd="sng" algn="ctr">
+                      <a:solidFill>
+                        <a:schemeClr val="tx1"/>
+                      </a:solidFill>
+                      <a:prstDash val="solid"/>
+                      <a:round/>
+                      <a:headEnd type="none" w="med" len="med"/>
+                      <a:tailEnd type="none" w="med" len="med"/>
+                    </a:lnL>
+                    <a:lnT w="12700" cap="flat" cmpd="sng" algn="ctr">
+                      <a:solidFill>
+                        <a:schemeClr val="tx1"/>
+                      </a:solidFill>
+                      <a:prstDash val="solid"/>
+                      <a:round/>
+                      <a:headEnd type="none" w="med" len="med"/>
+                      <a:tailEnd type="none" w="med" len="med"/>
+                    </a:lnT>
+                    <a:lnB w="12700" cap="flat" cmpd="sng" algn="ctr">
+                      <a:solidFill>
+                        <a:schemeClr val="tx1"/>
+                      </a:solidFill>
+                      <a:prstDash val="solid"/>
+                      <a:round/>
+                      <a:headEnd type="none" w="med" len="med"/>
+                      <a:tailEnd type="none" w="med" len="med"/>
+                    </a:lnB>
+                  </a:tcPr>
                 </a:tc>
                 <a:extLst>
                   <a:ext uri="{0D108BD9-81ED-4DB2-BD59-A6C34878D82A}">
@@ -5207,12 +5543,12 @@
                     <a:p>
                       <a:pPr algn="l" fontAlgn="b"/>
                       <a:r>
-                        <a:rPr lang="de-CH" sz="2400" u="none" strike="noStrike">
+                        <a:rPr lang="de-CH" sz="2400" u="none" strike="noStrike" dirty="0">
                           <a:effectLst/>
                         </a:rPr>
                         <a:t>Wissenstransfer Total</a:t>
                       </a:r>
-                      <a:endParaRPr lang="de-CH" sz="2400" b="1" i="0" u="none" strike="noStrike">
+                      <a:endParaRPr lang="de-CH" sz="2400" b="1" i="0" u="none" strike="noStrike" dirty="0">
                         <a:solidFill>
                           <a:srgbClr val="000000"/>
                         </a:solidFill>
@@ -5221,7 +5557,26 @@
                       </a:endParaRPr>
                     </a:p>
                   </a:txBody>
-                  <a:tcPr marL="0" marR="0" marT="0" marB="0" anchor="b"/>
+                  <a:tcPr marL="0" marR="0" marT="0" marB="0" anchor="b">
+                    <a:lnR w="12700" cap="flat" cmpd="sng" algn="ctr">
+                      <a:solidFill>
+                        <a:schemeClr val="tx1"/>
+                      </a:solidFill>
+                      <a:prstDash val="solid"/>
+                      <a:round/>
+                      <a:headEnd type="none" w="med" len="med"/>
+                      <a:tailEnd type="none" w="med" len="med"/>
+                    </a:lnR>
+                    <a:lnT w="12700" cap="flat" cmpd="sng" algn="ctr">
+                      <a:solidFill>
+                        <a:schemeClr val="tx1"/>
+                      </a:solidFill>
+                      <a:prstDash val="solid"/>
+                      <a:round/>
+                      <a:headEnd type="none" w="med" len="med"/>
+                      <a:tailEnd type="none" w="med" len="med"/>
+                    </a:lnT>
+                  </a:tcPr>
                 </a:tc>
                 <a:tc>
                   <a:txBody>
@@ -5231,19 +5586,41 @@
                       <a:pPr algn="r" fontAlgn="b"/>
                       <a:r>
                         <a:rPr lang="de-CH" sz="2400" u="none" strike="noStrike" kern="1200" dirty="0">
-                          <a:solidFill>
-                            <a:schemeClr val="dk1"/>
-                          </a:solidFill>
                           <a:effectLst/>
-                          <a:latin typeface="+mn-lt"/>
-                          <a:ea typeface="+mn-ea"/>
-                          <a:cs typeface="+mn-cs"/>
                         </a:rPr>
                         <a:t>20.5</a:t>
                       </a:r>
+                      <a:endParaRPr lang="de-CH" sz="2400" u="none" strike="noStrike" kern="1200" dirty="0">
+                        <a:solidFill>
+                          <a:schemeClr val="dk1"/>
+                        </a:solidFill>
+                        <a:effectLst/>
+                        <a:latin typeface="+mn-lt"/>
+                        <a:ea typeface="+mn-ea"/>
+                        <a:cs typeface="+mn-cs"/>
+                      </a:endParaRPr>
                     </a:p>
                   </a:txBody>
-                  <a:tcPr marL="0" marR="0" marT="0" marB="0" anchor="b"/>
+                  <a:tcPr marL="0" marR="0" marT="0" marB="0" anchor="b">
+                    <a:lnL w="12700" cap="flat" cmpd="sng" algn="ctr">
+                      <a:solidFill>
+                        <a:schemeClr val="tx1"/>
+                      </a:solidFill>
+                      <a:prstDash val="solid"/>
+                      <a:round/>
+                      <a:headEnd type="none" w="med" len="med"/>
+                      <a:tailEnd type="none" w="med" len="med"/>
+                    </a:lnL>
+                    <a:lnT w="12700" cap="flat" cmpd="sng" algn="ctr">
+                      <a:solidFill>
+                        <a:schemeClr val="tx1"/>
+                      </a:solidFill>
+                      <a:prstDash val="solid"/>
+                      <a:round/>
+                      <a:headEnd type="none" w="med" len="med"/>
+                      <a:tailEnd type="none" w="med" len="med"/>
+                    </a:lnT>
+                  </a:tcPr>
                 </a:tc>
                 <a:extLst>
                   <a:ext uri="{0D108BD9-81ED-4DB2-BD59-A6C34878D82A}">
@@ -5270,7 +5647,7 @@
           <p:nvPr>
             <p:extLst>
               <p:ext uri="{D42A27DB-BD31-4B8C-83A1-F6EECF244321}">
-                <p14:modId xmlns:p14="http://schemas.microsoft.com/office/powerpoint/2010/main" val="3638587578"/>
+                <p14:modId xmlns:p14="http://schemas.microsoft.com/office/powerpoint/2010/main" val="487094515"/>
               </p:ext>
             </p:extLst>
           </p:nvPr>
